--- a/Workshops/WelcomePresentation_online.pptx
+++ b/Workshops/WelcomePresentation_online.pptx
@@ -5114,22 +5114,6 @@
               <a:rPr/>
               <a:t>3</a:t>
             </a:r>
-            <a:r>
-              <a:rPr/>
-              <a:t> </a:t>
-            </a:r>
-            <a:r>
-              <a:rPr/>
-              <a:t>&amp;</a:t>
-            </a:r>
-            <a:r>
-              <a:rPr/>
-              <a:t> </a:t>
-            </a:r>
-            <a:r>
-              <a:rPr/>
-              <a:t>4</a:t>
-            </a:r>
           </a:p>
         </p:txBody>
       </p:sp>
@@ -5166,30 +5150,28 @@
             <a:pPr lvl="1"/>
             <a:r>
               <a:rPr/>
-              <a:t>13:00 - 14:30: Workshop 5: Data visualization</a:t>
+              <a:t>09:00 - 10:30: Workshop 5: Data visualization</a:t>
             </a:r>
           </a:p>
           <a:p>
             <a:pPr lvl="1"/>
             <a:r>
               <a:rPr/>
-              <a:t>14:30 - 14:45: Coffee break</a:t>
+              <a:t>10:30 - 10:45: Coffee break</a:t>
             </a:r>
           </a:p>
           <a:p>
             <a:pPr lvl="1"/>
             <a:r>
               <a:rPr/>
-              <a:t>14:45 - 16:00: Workshop 6: Control flow and looping (part 1)</a:t>
-            </a:r>
-          </a:p>
-          <a:p>
-            <a:pPr lvl="0" marL="0" indent="0">
-              <a:buNone/>
-            </a:pPr>
-            <a:r>
-              <a:rPr b="1"/>
-              <a:t>Day 4</a:t>
+              <a:t>10:45 - 12:00: Workshop 6: Control flow and looping (part 1)</a:t>
+            </a:r>
+          </a:p>
+          <a:p>
+            <a:pPr lvl="1"/>
+            <a:r>
+              <a:rPr/>
+              <a:t>12:00 - 13:00: Lunch break</a:t>
             </a:r>
           </a:p>
           <a:p>

--- a/Workshops/WelcomePresentation_online.pptx
+++ b/Workshops/WelcomePresentation_online.pptx
@@ -5579,7 +5579,7 @@
             <a:pPr lvl="2"/>
             <a:r>
               <a:rPr/>
-              <a:t>Workshop 7: You try to answer a question of your own using data. We will ask you to submit this question by the end of Day 3.</a:t>
+              <a:t>Workshop 7: You try to answer a question of your own using data. We will ask you to submit this question by the end of Day 2.</a:t>
             </a:r>
           </a:p>
           <a:p>

--- a/Workshops/WelcomePresentation_online.pptx
+++ b/Workshops/WelcomePresentation_online.pptx
@@ -1106,7 +1106,7 @@
           <a:p>
             <a:fld id="{937E6D32-4C03-264D-8FDB-034DA7582E3B}" type="datetimeFigureOut">
               <a:rPr lang="en-US" smtClean="0"/>
-              <a:t>8/27/19</a:t>
+              <a:t>9/21/2021</a:t>
             </a:fld>
             <a:endParaRPr lang="en-US"/>
           </a:p>
@@ -1304,7 +1304,7 @@
           <a:p>
             <a:fld id="{937E6D32-4C03-264D-8FDB-034DA7582E3B}" type="datetimeFigureOut">
               <a:rPr lang="en-US" smtClean="0"/>
-              <a:t>8/27/19</a:t>
+              <a:t>9/21/2021</a:t>
             </a:fld>
             <a:endParaRPr lang="en-US"/>
           </a:p>
@@ -1512,7 +1512,7 @@
           <a:p>
             <a:fld id="{937E6D32-4C03-264D-8FDB-034DA7582E3B}" type="datetimeFigureOut">
               <a:rPr lang="en-US" smtClean="0"/>
-              <a:t>8/27/19</a:t>
+              <a:t>9/21/2021</a:t>
             </a:fld>
             <a:endParaRPr lang="en-US"/>
           </a:p>
@@ -1710,7 +1710,7 @@
           <a:p>
             <a:fld id="{937E6D32-4C03-264D-8FDB-034DA7582E3B}" type="datetimeFigureOut">
               <a:rPr lang="en-US" smtClean="0"/>
-              <a:t>8/27/19</a:t>
+              <a:t>9/21/2021</a:t>
             </a:fld>
             <a:endParaRPr lang="en-US"/>
           </a:p>
@@ -1985,7 +1985,7 @@
           <a:p>
             <a:fld id="{937E6D32-4C03-264D-8FDB-034DA7582E3B}" type="datetimeFigureOut">
               <a:rPr lang="en-US" smtClean="0"/>
-              <a:t>8/27/19</a:t>
+              <a:t>9/21/2021</a:t>
             </a:fld>
             <a:endParaRPr lang="en-US"/>
           </a:p>
@@ -2250,7 +2250,7 @@
           <a:p>
             <a:fld id="{937E6D32-4C03-264D-8FDB-034DA7582E3B}" type="datetimeFigureOut">
               <a:rPr lang="en-US" smtClean="0"/>
-              <a:t>8/27/19</a:t>
+              <a:t>9/21/2021</a:t>
             </a:fld>
             <a:endParaRPr lang="en-US"/>
           </a:p>
@@ -2662,7 +2662,7 @@
           <a:p>
             <a:fld id="{937E6D32-4C03-264D-8FDB-034DA7582E3B}" type="datetimeFigureOut">
               <a:rPr lang="en-US" smtClean="0"/>
-              <a:t>8/27/19</a:t>
+              <a:t>9/21/2021</a:t>
             </a:fld>
             <a:endParaRPr lang="en-US"/>
           </a:p>
@@ -2803,7 +2803,7 @@
           <a:p>
             <a:fld id="{937E6D32-4C03-264D-8FDB-034DA7582E3B}" type="datetimeFigureOut">
               <a:rPr lang="en-US" smtClean="0"/>
-              <a:t>8/27/19</a:t>
+              <a:t>9/21/2021</a:t>
             </a:fld>
             <a:endParaRPr lang="en-US"/>
           </a:p>
@@ -2916,7 +2916,7 @@
           <a:p>
             <a:fld id="{937E6D32-4C03-264D-8FDB-034DA7582E3B}" type="datetimeFigureOut">
               <a:rPr lang="en-US" smtClean="0"/>
-              <a:t>8/27/19</a:t>
+              <a:t>9/21/2021</a:t>
             </a:fld>
             <a:endParaRPr lang="en-US"/>
           </a:p>
@@ -3227,7 +3227,7 @@
           <a:p>
             <a:fld id="{937E6D32-4C03-264D-8FDB-034DA7582E3B}" type="datetimeFigureOut">
               <a:rPr lang="en-US" smtClean="0"/>
-              <a:t>8/27/19</a:t>
+              <a:t>9/21/2021</a:t>
             </a:fld>
             <a:endParaRPr lang="en-US"/>
           </a:p>
@@ -3515,7 +3515,7 @@
           <a:p>
             <a:fld id="{937E6D32-4C03-264D-8FDB-034DA7582E3B}" type="datetimeFigureOut">
               <a:rPr lang="en-US" smtClean="0"/>
-              <a:t>8/27/19</a:t>
+              <a:t>9/21/2021</a:t>
             </a:fld>
             <a:endParaRPr lang="en-US"/>
           </a:p>
@@ -3681,35 +3681,35 @@
           <a:p>
             <a:pPr lvl="0"/>
             <a:r>
-              <a:rPr lang="en-US"/>
+              <a:rPr lang="en-US" dirty="0"/>
               <a:t>Click to edit Master text styles</a:t>
             </a:r>
           </a:p>
           <a:p>
             <a:pPr lvl="1"/>
             <a:r>
-              <a:rPr lang="en-US"/>
+              <a:rPr lang="en-US" dirty="0"/>
               <a:t>Second level</a:t>
             </a:r>
           </a:p>
           <a:p>
             <a:pPr lvl="2"/>
             <a:r>
-              <a:rPr lang="en-US"/>
+              <a:rPr lang="en-US" dirty="0"/>
               <a:t>Third level</a:t>
             </a:r>
           </a:p>
           <a:p>
             <a:pPr lvl="3"/>
             <a:r>
-              <a:rPr lang="en-US"/>
+              <a:rPr lang="en-US" dirty="0"/>
               <a:t>Fourth level</a:t>
             </a:r>
           </a:p>
           <a:p>
             <a:pPr lvl="4"/>
             <a:r>
-              <a:rPr lang="en-US"/>
+              <a:rPr lang="en-US" dirty="0"/>
               <a:t>Fifth level</a:t>
             </a:r>
           </a:p>
@@ -3756,7 +3756,7 @@
           <a:p>
             <a:fld id="{937E6D32-4C03-264D-8FDB-034DA7582E3B}" type="datetimeFigureOut">
               <a:rPr lang="en-US" smtClean="0"/>
-              <a:t>8/27/19</a:t>
+              <a:t>9/21/2021</a:t>
             </a:fld>
             <a:endParaRPr lang="en-US"/>
           </a:p>
@@ -3894,7 +3894,7 @@
       </a:lvl1pPr>
     </p:titleStyle>
     <p:bodyStyle>
-      <a:lvl1pPr marL="228600" indent="-228600" algn="l" defTabSz="914400" rtl="0" eaLnBrk="1" latinLnBrk="0" hangingPunct="1">
+      <a:lvl1pPr marL="1144800" indent="-228600" algn="l" defTabSz="914400" rtl="0" eaLnBrk="1" latinLnBrk="0" hangingPunct="1">
         <a:lnSpc>
           <a:spcPct val="90000"/>
         </a:lnSpc>
@@ -3903,7 +3903,7 @@
         </a:spcBef>
         <a:buFont typeface="Arial" panose="020B0604020202020204" pitchFamily="34" charset="0"/>
         <a:buChar char="•"/>
-        <a:defRPr sz="2800" kern="1200">
+        <a:defRPr sz="1800" kern="1200">
           <a:solidFill>
             <a:schemeClr val="tx1"/>
           </a:solidFill>
@@ -3921,7 +3921,7 @@
         </a:spcBef>
         <a:buFont typeface="Arial" panose="020B0604020202020204" pitchFamily="34" charset="0"/>
         <a:buChar char="•"/>
-        <a:defRPr sz="2400" kern="1200">
+        <a:defRPr sz="2300" kern="1200">
           <a:solidFill>
             <a:schemeClr val="tx1"/>
           </a:solidFill>
@@ -4416,7 +4416,7 @@
               <a:t>Check your punctuation (e.g. placement of </a:t>
             </a:r>
             <a:r>
-              <a:rPr sz="1800">
+              <a:rPr>
                 <a:latin typeface="Courier"/>
               </a:rPr>
               <a:t>()</a:t>
@@ -4426,7 +4426,7 @@
               <a:t> or </a:t>
             </a:r>
             <a:r>
-              <a:rPr sz="1800">
+              <a:rPr>
                 <a:latin typeface="Courier"/>
               </a:rPr>
               <a:t>,</a:t>
@@ -4443,7 +4443,7 @@
               <a:t>Capitalisation matters (e.g. </a:t>
             </a:r>
             <a:r>
-              <a:rPr sz="1800">
+              <a:rPr>
                 <a:latin typeface="Courier"/>
               </a:rPr>
               <a:t>Data</a:t>
@@ -4453,7 +4453,7 @@
               <a:t> vs </a:t>
             </a:r>
             <a:r>
-              <a:rPr sz="1800">
+              <a:rPr>
                 <a:latin typeface="Courier"/>
               </a:rPr>
               <a:t>data</a:t>

--- a/Workshops/WelcomePresentation_online.pptx
+++ b/Workshops/WelcomePresentation_online.pptx
@@ -949,6 +949,208 @@
             <a:fld id="{18BDFEC3-8487-43E8-A154-7C12CBC1FFF2}" type="slidenum">
               <a:rPr lang="en-US"/>
               <a:t>4</a:t>
+            </a:fld>
+            <a:endParaRPr lang="en-US"/>
+          </a:p>
+        </p:txBody>
+      </p:sp>
+    </p:spTree>
+  </p:cSld>
+</p:notes>
+</file>
+
+<file path=ppt/notesSlides/notesSlide3.xml><?xml version="1.0" encoding="utf-8"?>
+<p:notes xmlns:a="http://schemas.openxmlformats.org/drawingml/2006/main" xmlns:r="http://schemas.openxmlformats.org/officeDocument/2006/relationships" xmlns:p="http://schemas.openxmlformats.org/presentationml/2006/main">
+  <p:cSld>
+    <p:spTree>
+      <p:nvGrpSpPr>
+        <p:cNvPr id="1" name=""/>
+        <p:cNvGrpSpPr/>
+        <p:nvPr/>
+      </p:nvGrpSpPr>
+      <p:grpSpPr>
+        <a:xfrm>
+          <a:off x="0" y="0"/>
+          <a:ext cx="0" cy="0"/>
+          <a:chOff x="0" y="0"/>
+          <a:chExt cx="0" cy="0"/>
+        </a:xfrm>
+      </p:grpSpPr>
+      <p:sp>
+        <p:nvSpPr>
+          <p:cNvPr id="2" name="Slide Image Placeholder 1"/>
+          <p:cNvSpPr>
+            <a:spLocks noGrp="1" noRot="1" noChangeAspect="1"/>
+          </p:cNvSpPr>
+          <p:nvPr>
+            <p:ph type="sldImg"/>
+          </p:nvPr>
+        </p:nvSpPr>
+        <p:spPr/>
+      </p:sp>
+      <p:sp>
+        <p:nvSpPr>
+          <p:cNvPr id="3" name="Notes Placeholder 2"/>
+          <p:cNvSpPr>
+            <a:spLocks noGrp="1"/>
+          </p:cNvSpPr>
+          <p:nvPr>
+            <p:ph type="body" idx="1"/>
+          </p:nvPr>
+        </p:nvSpPr>
+        <p:spPr/>
+        <p:txBody>
+          <a:bodyPr/>
+          <a:lstStyle/>
+          <a:p>
+            <a:pPr lvl="0" marL="0" indent="0">
+              <a:buNone/>
+            </a:pPr>
+            <a:r>
+              <a:rPr/>
+              <a:t>Might</a:t>
+            </a:r>
+            <a:r>
+              <a:rPr/>
+              <a:t> </a:t>
+            </a:r>
+            <a:r>
+              <a:rPr/>
+              <a:t>be</a:t>
+            </a:r>
+            <a:r>
+              <a:rPr/>
+              <a:t> </a:t>
+            </a:r>
+            <a:r>
+              <a:rPr/>
+              <a:t>worth</a:t>
+            </a:r>
+            <a:r>
+              <a:rPr/>
+              <a:t> </a:t>
+            </a:r>
+            <a:r>
+              <a:rPr/>
+              <a:t>checking</a:t>
+            </a:r>
+            <a:r>
+              <a:rPr/>
+              <a:t> </a:t>
+            </a:r>
+            <a:r>
+              <a:rPr/>
+              <a:t>if</a:t>
+            </a:r>
+            <a:r>
+              <a:rPr/>
+              <a:t> </a:t>
+            </a:r>
+            <a:r>
+              <a:rPr/>
+              <a:t>everyone</a:t>
+            </a:r>
+            <a:r>
+              <a:rPr/>
+              <a:t> </a:t>
+            </a:r>
+            <a:r>
+              <a:rPr/>
+              <a:t>can</a:t>
+            </a:r>
+            <a:r>
+              <a:rPr/>
+              <a:t> </a:t>
+            </a:r>
+            <a:r>
+              <a:rPr/>
+              <a:t>access</a:t>
+            </a:r>
+            <a:r>
+              <a:rPr/>
+              <a:t> </a:t>
+            </a:r>
+            <a:r>
+              <a:rPr/>
+              <a:t>the</a:t>
+            </a:r>
+            <a:r>
+              <a:rPr/>
+              <a:t> </a:t>
+            </a:r>
+            <a:r>
+              <a:rPr/>
+              <a:t>chat.</a:t>
+            </a:r>
+            <a:r>
+              <a:rPr/>
+              <a:t> </a:t>
+            </a:r>
+            <a:r>
+              <a:rPr/>
+              <a:t>We’ve</a:t>
+            </a:r>
+            <a:r>
+              <a:rPr/>
+              <a:t> </a:t>
+            </a:r>
+            <a:r>
+              <a:rPr/>
+              <a:t>had</a:t>
+            </a:r>
+            <a:r>
+              <a:rPr/>
+              <a:t> </a:t>
+            </a:r>
+            <a:r>
+              <a:rPr/>
+              <a:t>issues</a:t>
+            </a:r>
+            <a:r>
+              <a:rPr/>
+              <a:t> </a:t>
+            </a:r>
+            <a:r>
+              <a:rPr/>
+              <a:t>with</a:t>
+            </a:r>
+            <a:r>
+              <a:rPr/>
+              <a:t> </a:t>
+            </a:r>
+            <a:r>
+              <a:rPr/>
+              <a:t>this</a:t>
+            </a:r>
+            <a:r>
+              <a:rPr/>
+              <a:t> </a:t>
+            </a:r>
+            <a:r>
+              <a:rPr/>
+              <a:t>before.</a:t>
+            </a:r>
+          </a:p>
+        </p:txBody>
+      </p:sp>
+      <p:sp>
+        <p:nvSpPr>
+          <p:cNvPr id="4" name="Slide Number Placeholder 3"/>
+          <p:cNvSpPr>
+            <a:spLocks noGrp="1"/>
+          </p:cNvSpPr>
+          <p:nvPr>
+            <p:ph type="sldNum" sz="quarter" idx="10"/>
+          </p:nvPr>
+        </p:nvSpPr>
+        <p:spPr/>
+        <p:txBody>
+          <a:bodyPr/>
+          <a:lstStyle/>
+          <a:p>
+            <a:fld id="{18BDFEC3-8487-43E8-A154-7C12CBC1FFF2}" type="slidenum">
+              <a:rPr lang="en-US"/>
+              <a:t>7</a:t>
             </a:fld>
             <a:endParaRPr lang="en-US"/>
           </a:p>
